--- a/課題研究/2014/三浦泰介/1242105三浦泰介ポスター.pptx
+++ b/課題研究/2014/三浦泰介/1242105三浦泰介ポスター.pptx
@@ -5738,10 +5738,7 @@
     <p:bg>
       <p:bgPr>
         <a:solidFill>
-          <a:schemeClr val="tx2">
-            <a:lumMod val="20000"/>
-            <a:lumOff val="80000"/>
-          </a:schemeClr>
+          <a:schemeClr val="tx1"/>
         </a:solidFill>
         <a:effectLst/>
       </p:bgPr>
@@ -5762,232 +5759,14 @@
       </p:grpSpPr>
       <p:sp>
         <p:nvSpPr>
-          <p:cNvPr id="58" name="正方形/長方形 57"/>
+          <p:cNvPr id="16" name="雲 15"/>
           <p:cNvSpPr/>
           <p:nvPr/>
         </p:nvSpPr>
         <p:spPr>
           <a:xfrm>
-            <a:off x="10649432" y="17455748"/>
-            <a:ext cx="10818626" cy="8596820"/>
-          </a:xfrm>
-          <a:prstGeom prst="rect">
-            <a:avLst/>
-          </a:prstGeom>
-          <a:solidFill>
-            <a:schemeClr val="accent4">
-              <a:lumMod val="40000"/>
-              <a:lumOff val="60000"/>
-            </a:schemeClr>
-          </a:solidFill>
-          <a:ln>
-            <a:solidFill>
-              <a:schemeClr val="accent5">
-                <a:tint val="76000"/>
-                <a:hueMod val="94000"/>
-              </a:schemeClr>
-            </a:solidFill>
-          </a:ln>
-        </p:spPr>
-        <p:style>
-          <a:lnRef idx="1">
-            <a:schemeClr val="accent5"/>
-          </a:lnRef>
-          <a:fillRef idx="2">
-            <a:schemeClr val="accent5"/>
-          </a:fillRef>
-          <a:effectRef idx="1">
-            <a:schemeClr val="accent5"/>
-          </a:effectRef>
-          <a:fontRef idx="minor">
-            <a:schemeClr val="dk1"/>
-          </a:fontRef>
-        </p:style>
-        <p:txBody>
-          <a:bodyPr rtlCol="0" anchor="ctr"/>
-          <a:lstStyle/>
-          <a:p>
-            <a:pPr algn="ctr"/>
-            <a:endParaRPr kumimoji="1" lang="ja-JP" altLang="en-US">
-              <a:ln>
-                <a:solidFill>
-                  <a:schemeClr val="accent5">
-                    <a:tint val="76000"/>
-                    <a:hueMod val="94000"/>
-                  </a:schemeClr>
-                </a:solidFill>
-              </a:ln>
-            </a:endParaRPr>
-          </a:p>
-        </p:txBody>
-      </p:sp>
-      <p:sp>
-        <p:nvSpPr>
-          <p:cNvPr id="31" name="正方形/長方形 30"/>
-          <p:cNvSpPr/>
-          <p:nvPr/>
-        </p:nvSpPr>
-        <p:spPr>
-          <a:xfrm>
-            <a:off x="-20226" y="13670303"/>
-            <a:ext cx="21355244" cy="3816424"/>
-          </a:xfrm>
-          <a:prstGeom prst="rect">
-            <a:avLst/>
-          </a:prstGeom>
-          <a:solidFill>
-            <a:srgbClr val="FFFF99"/>
-          </a:solidFill>
-          <a:ln>
-            <a:solidFill>
-              <a:schemeClr val="accent5">
-                <a:tint val="76000"/>
-                <a:hueMod val="94000"/>
-              </a:schemeClr>
-            </a:solidFill>
-          </a:ln>
-        </p:spPr>
-        <p:style>
-          <a:lnRef idx="1">
-            <a:schemeClr val="accent5"/>
-          </a:lnRef>
-          <a:fillRef idx="2">
-            <a:schemeClr val="accent5"/>
-          </a:fillRef>
-          <a:effectRef idx="1">
-            <a:schemeClr val="accent5"/>
-          </a:effectRef>
-          <a:fontRef idx="minor">
-            <a:schemeClr val="dk1"/>
-          </a:fontRef>
-        </p:style>
-        <p:txBody>
-          <a:bodyPr rtlCol="0" anchor="ctr"/>
-          <a:lstStyle/>
-          <a:p>
-            <a:pPr algn="ctr"/>
-            <a:endParaRPr kumimoji="1" lang="ja-JP" altLang="en-US">
-              <a:ln>
-                <a:solidFill>
-                  <a:schemeClr val="accent5">
-                    <a:tint val="76000"/>
-                    <a:hueMod val="94000"/>
-                  </a:schemeClr>
-                </a:solidFill>
-              </a:ln>
-            </a:endParaRPr>
-          </a:p>
-        </p:txBody>
-      </p:sp>
-      <p:sp>
-        <p:nvSpPr>
-          <p:cNvPr id="4" name="テキスト ボックス 3"/>
-          <p:cNvSpPr txBox="1"/>
-          <p:nvPr/>
-        </p:nvSpPr>
-        <p:spPr>
-          <a:xfrm>
-            <a:off x="1620392" y="6138987"/>
-            <a:ext cx="4392488" cy="1015663"/>
-          </a:xfrm>
-          <a:prstGeom prst="rect">
-            <a:avLst/>
-          </a:prstGeom>
-          <a:noFill/>
-        </p:spPr>
-        <p:txBody>
-          <a:bodyPr wrap="square" rtlCol="0">
-            <a:spAutoFit/>
-          </a:bodyPr>
-          <a:lstStyle/>
-          <a:p>
-            <a:r>
-              <a:rPr kumimoji="1" lang="ja-JP" altLang="en-US" dirty="0" smtClean="0">
-                <a:solidFill>
-                  <a:srgbClr val="FF0000"/>
-                </a:solidFill>
-              </a:rPr>
-              <a:t>背景</a:t>
-            </a:r>
-            <a:endParaRPr kumimoji="1" lang="ja-JP" altLang="en-US" dirty="0">
-              <a:solidFill>
-                <a:srgbClr val="FF0000"/>
-              </a:solidFill>
-            </a:endParaRPr>
-          </a:p>
-        </p:txBody>
-      </p:sp>
-      <p:sp>
-        <p:nvSpPr>
-          <p:cNvPr id="5" name="正方形/長方形 4"/>
-          <p:cNvSpPr/>
-          <p:nvPr/>
-        </p:nvSpPr>
-        <p:spPr>
-          <a:xfrm>
-            <a:off x="-71724" y="5601027"/>
-            <a:ext cx="21386800" cy="8105744"/>
-          </a:xfrm>
-          <a:prstGeom prst="rect">
-            <a:avLst/>
-          </a:prstGeom>
-          <a:solidFill>
-            <a:schemeClr val="accent3">
-              <a:lumMod val="20000"/>
-              <a:lumOff val="80000"/>
-            </a:schemeClr>
-          </a:solidFill>
-          <a:ln>
-            <a:solidFill>
-              <a:schemeClr val="accent5">
-                <a:tint val="76000"/>
-                <a:hueMod val="94000"/>
-              </a:schemeClr>
-            </a:solidFill>
-          </a:ln>
-        </p:spPr>
-        <p:style>
-          <a:lnRef idx="1">
-            <a:schemeClr val="accent5"/>
-          </a:lnRef>
-          <a:fillRef idx="2">
-            <a:schemeClr val="accent5"/>
-          </a:fillRef>
-          <a:effectRef idx="1">
-            <a:schemeClr val="accent5"/>
-          </a:effectRef>
-          <a:fontRef idx="minor">
-            <a:schemeClr val="dk1"/>
-          </a:fontRef>
-        </p:style>
-        <p:txBody>
-          <a:bodyPr rtlCol="0" anchor="ctr"/>
-          <a:lstStyle/>
-          <a:p>
-            <a:pPr algn="ctr"/>
-            <a:endParaRPr kumimoji="1" lang="ja-JP" altLang="en-US">
-              <a:ln>
-                <a:solidFill>
-                  <a:schemeClr val="accent5">
-                    <a:tint val="76000"/>
-                    <a:hueMod val="94000"/>
-                  </a:schemeClr>
-                </a:solidFill>
-              </a:ln>
-            </a:endParaRPr>
-          </a:p>
-        </p:txBody>
-      </p:sp>
-      <p:sp>
-        <p:nvSpPr>
-          <p:cNvPr id="3" name="雲 2"/>
-          <p:cNvSpPr/>
-          <p:nvPr/>
-        </p:nvSpPr>
-        <p:spPr>
-          <a:xfrm>
-            <a:off x="-91666" y="4997130"/>
-            <a:ext cx="7381032" cy="2520280"/>
+            <a:off x="-123073" y="-411743"/>
+            <a:ext cx="21554039" cy="6572907"/>
           </a:xfrm>
           <a:prstGeom prst="cloud">
             <a:avLst/>
@@ -6023,14 +5802,14 @@
       </p:sp>
       <p:sp>
         <p:nvSpPr>
-          <p:cNvPr id="6" name="テキスト ボックス 5"/>
+          <p:cNvPr id="4" name="テキスト ボックス 3"/>
           <p:cNvSpPr txBox="1"/>
           <p:nvPr/>
         </p:nvSpPr>
         <p:spPr>
           <a:xfrm>
-            <a:off x="1242455" y="5552480"/>
-            <a:ext cx="4392488" cy="1323439"/>
+            <a:off x="1620392" y="6138987"/>
+            <a:ext cx="4392488" cy="1015663"/>
           </a:xfrm>
           <a:prstGeom prst="rect">
             <a:avLst/>
@@ -6044,21 +5823,17 @@
           <a:lstStyle/>
           <a:p>
             <a:r>
-              <a:rPr kumimoji="1" lang="ja-JP" altLang="en-US" sz="8000" dirty="0" smtClean="0">
-                <a:solidFill>
-                  <a:schemeClr val="bg1"/>
-                </a:solidFill>
-                <a:latin typeface="FGゼロゴシック" panose="02000600000000000000" pitchFamily="2" charset="-128"/>
-                <a:ea typeface="FGゼロゴシック" panose="02000600000000000000" pitchFamily="2" charset="-128"/>
+              <a:rPr kumimoji="1" lang="ja-JP" altLang="en-US" dirty="0" smtClean="0">
+                <a:solidFill>
+                  <a:srgbClr val="FF0000"/>
+                </a:solidFill>
               </a:rPr>
-              <a:t>研究背景</a:t>
-            </a:r>
-            <a:endParaRPr kumimoji="1" lang="ja-JP" altLang="en-US" sz="8000" dirty="0">
+              <a:t>背景</a:t>
+            </a:r>
+            <a:endParaRPr kumimoji="1" lang="ja-JP" altLang="en-US" dirty="0">
               <a:solidFill>
-                <a:schemeClr val="bg1"/>
+                <a:srgbClr val="FF0000"/>
               </a:solidFill>
-              <a:latin typeface="FGゼロゴシック" panose="02000600000000000000" pitchFamily="2" charset="-128"/>
-              <a:ea typeface="FGゼロゴシック" panose="02000600000000000000" pitchFamily="2" charset="-128"/>
             </a:endParaRPr>
           </a:p>
         </p:txBody>
@@ -6147,45 +5922,36 @@
       </p:pic>
       <p:sp>
         <p:nvSpPr>
-          <p:cNvPr id="27" name="正方形/長方形 26"/>
+          <p:cNvPr id="3" name="雲 2"/>
           <p:cNvSpPr/>
           <p:nvPr/>
         </p:nvSpPr>
         <p:spPr>
           <a:xfrm>
-            <a:off x="0" y="17496205"/>
-            <a:ext cx="10818626" cy="8596820"/>
-          </a:xfrm>
-          <a:prstGeom prst="rect">
+            <a:off x="-366995" y="5265719"/>
+            <a:ext cx="7381032" cy="2520280"/>
+          </a:xfrm>
+          <a:prstGeom prst="cloud">
             <a:avLst/>
           </a:prstGeom>
           <a:solidFill>
-            <a:schemeClr val="accent6">
-              <a:lumMod val="20000"/>
-              <a:lumOff val="80000"/>
+            <a:schemeClr val="tx1"/>
+          </a:solidFill>
+        </p:spPr>
+        <p:style>
+          <a:lnRef idx="2">
+            <a:schemeClr val="accent1">
+              <a:shade val="50000"/>
             </a:schemeClr>
-          </a:solidFill>
-          <a:ln>
-            <a:solidFill>
-              <a:schemeClr val="accent5">
-                <a:tint val="76000"/>
-                <a:hueMod val="94000"/>
-              </a:schemeClr>
-            </a:solidFill>
-          </a:ln>
-        </p:spPr>
-        <p:style>
-          <a:lnRef idx="1">
-            <a:schemeClr val="accent5"/>
           </a:lnRef>
-          <a:fillRef idx="2">
-            <a:schemeClr val="accent5"/>
+          <a:fillRef idx="1">
+            <a:schemeClr val="accent1"/>
           </a:fillRef>
-          <a:effectRef idx="1">
-            <a:schemeClr val="accent5"/>
+          <a:effectRef idx="0">
+            <a:schemeClr val="accent1"/>
           </a:effectRef>
           <a:fontRef idx="minor">
-            <a:schemeClr val="dk1"/>
+            <a:schemeClr val="lt1"/>
           </a:fontRef>
         </p:style>
         <p:txBody>
@@ -6193,16 +5959,7 @@
           <a:lstStyle/>
           <a:p>
             <a:pPr algn="ctr"/>
-            <a:endParaRPr kumimoji="1" lang="ja-JP" altLang="en-US">
-              <a:ln>
-                <a:solidFill>
-                  <a:schemeClr val="accent5">
-                    <a:tint val="76000"/>
-                    <a:hueMod val="94000"/>
-                  </a:schemeClr>
-                </a:solidFill>
-              </a:ln>
-            </a:endParaRPr>
+            <a:endParaRPr kumimoji="1" lang="ja-JP" altLang="en-US"/>
           </a:p>
         </p:txBody>
       </p:sp>
@@ -6502,7 +6259,7 @@
         </p:blipFill>
         <p:spPr bwMode="auto">
           <a:xfrm>
-            <a:off x="579041" y="20882178"/>
+            <a:off x="607260" y="21226015"/>
             <a:ext cx="1750068" cy="1327638"/>
           </a:xfrm>
           <a:prstGeom prst="rect">
@@ -6522,74 +6279,13 @@
       </p:pic>
       <p:sp>
         <p:nvSpPr>
-          <p:cNvPr id="49" name="正方形/長方形 48"/>
-          <p:cNvSpPr/>
-          <p:nvPr/>
-        </p:nvSpPr>
-        <p:spPr>
-          <a:xfrm>
-            <a:off x="-20226" y="26093025"/>
-            <a:ext cx="21355244" cy="4186949"/>
-          </a:xfrm>
-          <a:prstGeom prst="rect">
-            <a:avLst/>
-          </a:prstGeom>
-          <a:solidFill>
-            <a:schemeClr val="accent1">
-              <a:lumMod val="40000"/>
-              <a:lumOff val="60000"/>
-            </a:schemeClr>
-          </a:solidFill>
-          <a:ln>
-            <a:solidFill>
-              <a:schemeClr val="accent5">
-                <a:tint val="76000"/>
-                <a:hueMod val="94000"/>
-              </a:schemeClr>
-            </a:solidFill>
-          </a:ln>
-        </p:spPr>
-        <p:style>
-          <a:lnRef idx="1">
-            <a:schemeClr val="accent5"/>
-          </a:lnRef>
-          <a:fillRef idx="2">
-            <a:schemeClr val="accent5"/>
-          </a:fillRef>
-          <a:effectRef idx="1">
-            <a:schemeClr val="accent5"/>
-          </a:effectRef>
-          <a:fontRef idx="minor">
-            <a:schemeClr val="dk1"/>
-          </a:fontRef>
-        </p:style>
-        <p:txBody>
-          <a:bodyPr rtlCol="0" anchor="ctr"/>
-          <a:lstStyle/>
-          <a:p>
-            <a:pPr algn="ctr"/>
-            <a:endParaRPr kumimoji="1" lang="ja-JP" altLang="en-US">
-              <a:ln>
-                <a:solidFill>
-                  <a:schemeClr val="accent5">
-                    <a:tint val="76000"/>
-                    <a:hueMod val="94000"/>
-                  </a:schemeClr>
-                </a:solidFill>
-              </a:ln>
-            </a:endParaRPr>
-          </a:p>
-        </p:txBody>
-      </p:sp>
-      <p:sp>
-        <p:nvSpPr>
           <p:cNvPr id="42" name="雲 41"/>
           <p:cNvSpPr/>
           <p:nvPr/>
         </p:nvSpPr>
         <p:spPr>
           <a:xfrm>
-            <a:off x="10017414" y="17228219"/>
+            <a:off x="10235802" y="17148880"/>
             <a:ext cx="6958729" cy="2520280"/>
           </a:xfrm>
           <a:prstGeom prst="cloud">
@@ -6632,7 +6328,7 @@
         </p:nvSpPr>
         <p:spPr>
           <a:xfrm>
-            <a:off x="133040" y="25500568"/>
+            <a:off x="-229843" y="25334571"/>
             <a:ext cx="7337083" cy="2520280"/>
           </a:xfrm>
           <a:prstGeom prst="cloud">
@@ -6675,7 +6371,7 @@
         </p:nvSpPr>
         <p:spPr>
           <a:xfrm>
-            <a:off x="1108146" y="26133482"/>
+            <a:off x="745958" y="25868085"/>
             <a:ext cx="5694740" cy="1323439"/>
           </a:xfrm>
           <a:prstGeom prst="rect">
@@ -6706,49 +6402,6 @@
               <a:latin typeface="FGゼロゴシック" panose="02000600000000000000" pitchFamily="2" charset="-128"/>
               <a:ea typeface="FGゼロゴシック" panose="02000600000000000000" pitchFamily="2" charset="-128"/>
             </a:endParaRPr>
-          </a:p>
-        </p:txBody>
-      </p:sp>
-      <p:sp>
-        <p:nvSpPr>
-          <p:cNvPr id="16" name="雲 15"/>
-          <p:cNvSpPr/>
-          <p:nvPr/>
-        </p:nvSpPr>
-        <p:spPr>
-          <a:xfrm>
-            <a:off x="-37014" y="-30381"/>
-            <a:ext cx="21554039" cy="5437219"/>
-          </a:xfrm>
-          <a:prstGeom prst="cloud">
-            <a:avLst/>
-          </a:prstGeom>
-          <a:solidFill>
-            <a:schemeClr val="tx1"/>
-          </a:solidFill>
-        </p:spPr>
-        <p:style>
-          <a:lnRef idx="2">
-            <a:schemeClr val="accent1">
-              <a:shade val="50000"/>
-            </a:schemeClr>
-          </a:lnRef>
-          <a:fillRef idx="1">
-            <a:schemeClr val="accent1"/>
-          </a:fillRef>
-          <a:effectRef idx="0">
-            <a:schemeClr val="accent1"/>
-          </a:effectRef>
-          <a:fontRef idx="minor">
-            <a:schemeClr val="lt1"/>
-          </a:fontRef>
-        </p:style>
-        <p:txBody>
-          <a:bodyPr rtlCol="0" anchor="ctr"/>
-          <a:lstStyle/>
-          <a:p>
-            <a:pPr algn="ctr"/>
-            <a:endParaRPr kumimoji="1" lang="ja-JP" altLang="en-US"/>
           </a:p>
         </p:txBody>
       </p:sp>
@@ -6982,7 +6635,7 @@
         </p:nvSpPr>
         <p:spPr>
           <a:xfrm>
-            <a:off x="1620392" y="1098427"/>
+            <a:off x="1703000" y="603116"/>
             <a:ext cx="18074008" cy="3631763"/>
           </a:xfrm>
           <a:prstGeom prst="rect">
@@ -7008,7 +6661,27 @@
                 <a:latin typeface="FGゼロゴシック" panose="02000600000000000000" pitchFamily="2" charset="-128"/>
                 <a:ea typeface="FGゼロゴシック" panose="02000600000000000000" pitchFamily="2" charset="-128"/>
               </a:rPr>
-              <a:t>クラウドファンディングの成功要因の調査</a:t>
+              <a:t>クラウドファンディング</a:t>
+            </a:r>
+            <a:r>
+              <a:rPr lang="ja-JP" altLang="en-US" sz="11500" dirty="0">
+                <a:solidFill>
+                  <a:schemeClr val="bg1"/>
+                </a:solidFill>
+                <a:latin typeface="FGゼロゴシック" panose="02000600000000000000" pitchFamily="2" charset="-128"/>
+                <a:ea typeface="FGゼロゴシック" panose="02000600000000000000" pitchFamily="2" charset="-128"/>
+              </a:rPr>
+              <a:t>に</a:t>
+            </a:r>
+            <a:r>
+              <a:rPr lang="ja-JP" altLang="en-US" sz="11500" dirty="0" smtClean="0">
+                <a:solidFill>
+                  <a:schemeClr val="bg1"/>
+                </a:solidFill>
+                <a:latin typeface="FGゼロゴシック" panose="02000600000000000000" pitchFamily="2" charset="-128"/>
+                <a:ea typeface="FGゼロゴシック" panose="02000600000000000000" pitchFamily="2" charset="-128"/>
+              </a:rPr>
+              <a:t>おける成功の判別分析</a:t>
             </a:r>
             <a:endParaRPr kumimoji="1" lang="ja-JP" altLang="en-US" sz="11500" dirty="0">
               <a:solidFill>
@@ -7190,7 +6863,7 @@
         </p:nvSpPr>
         <p:spPr>
           <a:xfrm>
-            <a:off x="-58956" y="19543129"/>
+            <a:off x="413389" y="19396022"/>
             <a:ext cx="10076369" cy="1754326"/>
           </a:xfrm>
           <a:prstGeom prst="rect">
@@ -7204,7 +6877,6 @@
           </a:bodyPr>
           <a:lstStyle/>
           <a:p>
-            <a:pPr algn="ctr"/>
             <a:r>
               <a:rPr lang="en-US" altLang="ja-JP" sz="3600" dirty="0" smtClean="0">
                 <a:solidFill>
@@ -7254,7 +6926,6 @@
             </a:endParaRPr>
           </a:p>
           <a:p>
-            <a:pPr algn="ctr"/>
             <a:r>
               <a:rPr lang="ja-JP" altLang="en-US" sz="3600" dirty="0" smtClean="0">
                 <a:solidFill>
@@ -7274,7 +6945,6 @@
             </a:endParaRPr>
           </a:p>
           <a:p>
-            <a:pPr algn="ctr"/>
             <a:r>
               <a:rPr lang="ja-JP" altLang="en-US" sz="3600" dirty="0" smtClean="0">
                 <a:solidFill>
@@ -7303,7 +6973,7 @@
         </p:nvSpPr>
         <p:spPr>
           <a:xfrm>
-            <a:off x="139871" y="22643651"/>
+            <a:off x="135127" y="22908881"/>
             <a:ext cx="5446152" cy="2308324"/>
           </a:xfrm>
           <a:prstGeom prst="rect">
@@ -7317,7 +6987,6 @@
           </a:bodyPr>
           <a:lstStyle/>
           <a:p>
-            <a:pPr algn="r"/>
             <a:r>
               <a:rPr kumimoji="1" lang="ja-JP" altLang="en-US" sz="3600" dirty="0" smtClean="0">
                 <a:solidFill>
@@ -7326,47 +6995,7 @@
                 <a:latin typeface="しねきゃぷしょん" panose="02000600000000000000" pitchFamily="2" charset="-128"/>
                 <a:ea typeface="しねきゃぷしょん" panose="02000600000000000000" pitchFamily="2" charset="-128"/>
               </a:rPr>
-              <a:t>ウェブページから要因を摘出し，データ</a:t>
-            </a:r>
-            <a:r>
-              <a:rPr kumimoji="1" lang="ja-JP" altLang="en-US" sz="3600" dirty="0" smtClean="0">
-                <a:solidFill>
-                  <a:schemeClr val="bg1"/>
-                </a:solidFill>
-                <a:latin typeface="しねきゃぷしょん" panose="02000600000000000000" pitchFamily="2" charset="-128"/>
-                <a:ea typeface="しねきゃぷしょん" panose="02000600000000000000" pitchFamily="2" charset="-128"/>
-              </a:rPr>
-              <a:t>解析を行い</a:t>
-            </a:r>
-            <a:r>
-              <a:rPr kumimoji="1" lang="ja-JP" altLang="en-US" sz="3600" dirty="0" smtClean="0">
-                <a:solidFill>
-                  <a:schemeClr val="bg1"/>
-                </a:solidFill>
-                <a:latin typeface="しねきゃぷしょん" panose="02000600000000000000" pitchFamily="2" charset="-128"/>
-                <a:ea typeface="しねきゃぷしょん" panose="02000600000000000000" pitchFamily="2" charset="-128"/>
-              </a:rPr>
-              <a:t>、成功に大きく関わる要因を明らか</a:t>
-            </a:r>
-            <a:r>
-              <a:rPr kumimoji="1" lang="ja-JP" altLang="en-US" sz="3600" dirty="0" smtClean="0">
-                <a:solidFill>
-                  <a:schemeClr val="bg1"/>
-                </a:solidFill>
-                <a:latin typeface="しねきゃぷしょん" panose="02000600000000000000" pitchFamily="2" charset="-128"/>
-                <a:ea typeface="しねきゃぷしょん" panose="02000600000000000000" pitchFamily="2" charset="-128"/>
-              </a:rPr>
-              <a:t>に</a:t>
-            </a:r>
-            <a:r>
-              <a:rPr kumimoji="1" lang="ja-JP" altLang="en-US" sz="3600" dirty="0" smtClean="0">
-                <a:solidFill>
-                  <a:schemeClr val="bg1"/>
-                </a:solidFill>
-                <a:latin typeface="しねきゃぷしょん" panose="02000600000000000000" pitchFamily="2" charset="-128"/>
-                <a:ea typeface="しねきゃぷしょん" panose="02000600000000000000" pitchFamily="2" charset="-128"/>
-              </a:rPr>
-              <a:t>する</a:t>
+              <a:t>ウェブページから要因を摘出し，データ解析を行い、成功に大きく関わる要因を明らかにする</a:t>
             </a:r>
             <a:r>
               <a:rPr kumimoji="1" lang="ja-JP" altLang="en-US" sz="3600" dirty="0" smtClean="0">
@@ -7545,7 +7174,7 @@
         </p:nvSpPr>
         <p:spPr>
           <a:xfrm>
-            <a:off x="11330637" y="17826639"/>
+            <a:off x="11518922" y="17717937"/>
             <a:ext cx="4392488" cy="1323439"/>
           </a:xfrm>
           <a:prstGeom prst="rect">
@@ -7627,6 +7256,110 @@
               </a:solidFill>
               <a:latin typeface="しねきゃぷしょん" panose="02000600000000000000" pitchFamily="2" charset="-128"/>
               <a:ea typeface="しねきゃぷしょん" panose="02000600000000000000" pitchFamily="2" charset="-128"/>
+            </a:endParaRPr>
+          </a:p>
+        </p:txBody>
+      </p:sp>
+      <p:sp>
+        <p:nvSpPr>
+          <p:cNvPr id="7" name="テキスト ボックス 6"/>
+          <p:cNvSpPr txBox="1"/>
+          <p:nvPr/>
+        </p:nvSpPr>
+        <p:spPr>
+          <a:xfrm>
+            <a:off x="4673670" y="3901174"/>
+            <a:ext cx="13690503" cy="1015663"/>
+          </a:xfrm>
+          <a:prstGeom prst="rect">
+            <a:avLst/>
+          </a:prstGeom>
+          <a:noFill/>
+        </p:spPr>
+        <p:txBody>
+          <a:bodyPr wrap="square" rtlCol="0">
+            <a:spAutoFit/>
+          </a:bodyPr>
+          <a:lstStyle/>
+          <a:p>
+            <a:r>
+              <a:rPr kumimoji="1" lang="ja-JP" altLang="en-US" dirty="0" smtClean="0">
+                <a:solidFill>
+                  <a:schemeClr val="bg1"/>
+                </a:solidFill>
+                <a:latin typeface="しねきゃぷしょん" panose="02000600000000000000" pitchFamily="2" charset="-128"/>
+                <a:ea typeface="しねきゃぷしょん" panose="02000600000000000000" pitchFamily="2" charset="-128"/>
+              </a:rPr>
+              <a:t>矢吹研究室 </a:t>
+            </a:r>
+            <a:r>
+              <a:rPr kumimoji="1" lang="en-US" altLang="ja-JP" dirty="0" smtClean="0">
+                <a:solidFill>
+                  <a:schemeClr val="bg1"/>
+                </a:solidFill>
+                <a:latin typeface="しねきゃぷしょん" panose="02000600000000000000" pitchFamily="2" charset="-128"/>
+                <a:ea typeface="しねきゃぷしょん" panose="02000600000000000000" pitchFamily="2" charset="-128"/>
+              </a:rPr>
+              <a:t>1242105</a:t>
+            </a:r>
+            <a:r>
+              <a:rPr kumimoji="1" lang="ja-JP" altLang="en-US" dirty="0" smtClean="0">
+                <a:solidFill>
+                  <a:schemeClr val="bg1"/>
+                </a:solidFill>
+                <a:latin typeface="しねきゃぷしょん" panose="02000600000000000000" pitchFamily="2" charset="-128"/>
+                <a:ea typeface="しねきゃぷしょん" panose="02000600000000000000" pitchFamily="2" charset="-128"/>
+              </a:rPr>
+              <a:t>　三浦泰介</a:t>
+            </a:r>
+            <a:endParaRPr kumimoji="1" lang="ja-JP" altLang="en-US" dirty="0">
+              <a:solidFill>
+                <a:schemeClr val="bg1"/>
+              </a:solidFill>
+              <a:latin typeface="しねきゃぷしょん" panose="02000600000000000000" pitchFamily="2" charset="-128"/>
+              <a:ea typeface="しねきゃぷしょん" panose="02000600000000000000" pitchFamily="2" charset="-128"/>
+            </a:endParaRPr>
+          </a:p>
+        </p:txBody>
+      </p:sp>
+      <p:sp>
+        <p:nvSpPr>
+          <p:cNvPr id="6" name="テキスト ボックス 5"/>
+          <p:cNvSpPr txBox="1"/>
+          <p:nvPr/>
+        </p:nvSpPr>
+        <p:spPr>
+          <a:xfrm>
+            <a:off x="1127277" y="5782807"/>
+            <a:ext cx="4392488" cy="1323439"/>
+          </a:xfrm>
+          <a:prstGeom prst="rect">
+            <a:avLst/>
+          </a:prstGeom>
+          <a:noFill/>
+        </p:spPr>
+        <p:txBody>
+          <a:bodyPr wrap="square" rtlCol="0">
+            <a:spAutoFit/>
+          </a:bodyPr>
+          <a:lstStyle/>
+          <a:p>
+            <a:r>
+              <a:rPr kumimoji="1" lang="ja-JP" altLang="en-US" sz="8000" dirty="0" smtClean="0">
+                <a:solidFill>
+                  <a:schemeClr val="bg1"/>
+                </a:solidFill>
+                <a:latin typeface="FGゼロゴシック" panose="02000600000000000000" pitchFamily="2" charset="-128"/>
+                <a:ea typeface="FGゼロゴシック" panose="02000600000000000000" pitchFamily="2" charset="-128"/>
+              </a:rPr>
+              <a:t>研究背景</a:t>
+            </a:r>
+            <a:endParaRPr kumimoji="1" lang="ja-JP" altLang="en-US" sz="8000" dirty="0">
+              <a:solidFill>
+                <a:schemeClr val="bg1"/>
+              </a:solidFill>
+              <a:latin typeface="FGゼロゴシック" panose="02000600000000000000" pitchFamily="2" charset="-128"/>
+              <a:ea typeface="FGゼロゴシック" panose="02000600000000000000" pitchFamily="2" charset="-128"/>
             </a:endParaRPr>
           </a:p>
         </p:txBody>

--- a/課題研究/2014/三浦泰介/1242105三浦泰介ポスター.pptx
+++ b/課題研究/2014/三浦泰介/1242105三浦泰介ポスター.pptx
@@ -5879,47 +5879,6 @@
           </a:extLst>
         </p:spPr>
       </p:pic>
-      <p:pic>
-        <p:nvPicPr>
-          <p:cNvPr id="1030" name="Picture 6" descr="C:\Users\alRigel\Desktop\8c1283da99cd3f6e90ddc461c4be1ff1.png"/>
-          <p:cNvPicPr>
-            <a:picLocks noChangeAspect="1" noChangeArrowheads="1"/>
-          </p:cNvPicPr>
-          <p:nvPr/>
-        </p:nvPicPr>
-        <p:blipFill>
-          <a:blip r:embed="rId3">
-            <a:extLst>
-              <a:ext uri="{28A0092B-C50C-407E-A947-70E740481C1C}">
-                <a14:useLocalDpi xmlns:a14="http://schemas.microsoft.com/office/drawing/2010/main" val="0"/>
-              </a:ext>
-            </a:extLst>
-          </a:blip>
-          <a:srcRect/>
-          <a:stretch>
-            <a:fillRect/>
-          </a:stretch>
-        </p:blipFill>
-        <p:spPr bwMode="auto">
-          <a:xfrm>
-            <a:off x="3015565" y="19477748"/>
-            <a:ext cx="2196244" cy="2196244"/>
-          </a:xfrm>
-          <a:prstGeom prst="rect">
-            <a:avLst/>
-          </a:prstGeom>
-          <a:noFill/>
-          <a:extLst>
-            <a:ext uri="{909E8E84-426E-40DD-AFC4-6F175D3DCCD1}">
-              <a14:hiddenFill xmlns:a14="http://schemas.microsoft.com/office/drawing/2010/main">
-                <a:solidFill>
-                  <a:srgbClr val="FFFFFF"/>
-                </a:solidFill>
-              </a14:hiddenFill>
-            </a:ext>
-          </a:extLst>
-        </p:spPr>
-      </p:pic>
       <p:sp>
         <p:nvSpPr>
           <p:cNvPr id="3" name="雲 2"/>
@@ -6825,36 +6784,6 @@
           </a:prstGeom>
         </p:spPr>
       </p:pic>
-      <p:pic>
-        <p:nvPicPr>
-          <p:cNvPr id="45" name="図 44"/>
-          <p:cNvPicPr>
-            <a:picLocks noChangeAspect="1"/>
-          </p:cNvPicPr>
-          <p:nvPr/>
-        </p:nvPicPr>
-        <p:blipFill>
-          <a:blip r:embed="rId8" cstate="print">
-            <a:extLst>
-              <a:ext uri="{28A0092B-C50C-407E-A947-70E740481C1C}">
-                <a14:useLocalDpi xmlns:a14="http://schemas.microsoft.com/office/drawing/2010/main" val="0"/>
-              </a:ext>
-            </a:extLst>
-          </a:blip>
-          <a:stretch>
-            <a:fillRect/>
-          </a:stretch>
-        </p:blipFill>
-        <p:spPr>
-          <a:xfrm>
-            <a:off x="5766593" y="22189568"/>
-            <a:ext cx="4642626" cy="3290082"/>
-          </a:xfrm>
-          <a:prstGeom prst="rect">
-            <a:avLst/>
-          </a:prstGeom>
-        </p:spPr>
-      </p:pic>
       <p:sp>
         <p:nvSpPr>
           <p:cNvPr id="22" name="テキスト ボックス 21"/>
@@ -6863,7 +6792,7 @@
         </p:nvSpPr>
         <p:spPr>
           <a:xfrm>
-            <a:off x="413389" y="19396022"/>
+            <a:off x="165853" y="19399205"/>
             <a:ext cx="10076369" cy="1754326"/>
           </a:xfrm>
           <a:prstGeom prst="rect">
@@ -7360,6 +7289,235 @@
               </a:solidFill>
               <a:latin typeface="FGゼロゴシック" panose="02000600000000000000" pitchFamily="2" charset="-128"/>
               <a:ea typeface="FGゼロゴシック" panose="02000600000000000000" pitchFamily="2" charset="-128"/>
+            </a:endParaRPr>
+          </a:p>
+        </p:txBody>
+      </p:sp>
+      <p:sp>
+        <p:nvSpPr>
+          <p:cNvPr id="5" name="テキスト ボックス 4"/>
+          <p:cNvSpPr txBox="1"/>
+          <p:nvPr/>
+        </p:nvSpPr>
+        <p:spPr>
+          <a:xfrm>
+            <a:off x="6012880" y="22767271"/>
+            <a:ext cx="5223360" cy="523220"/>
+          </a:xfrm>
+          <a:prstGeom prst="rect">
+            <a:avLst/>
+          </a:prstGeom>
+          <a:noFill/>
+        </p:spPr>
+        <p:txBody>
+          <a:bodyPr wrap="square" rtlCol="0">
+            <a:spAutoFit/>
+          </a:bodyPr>
+          <a:lstStyle/>
+          <a:p>
+            <a:endParaRPr kumimoji="1" lang="ja-JP" altLang="en-US" sz="2800" dirty="0">
+              <a:solidFill>
+                <a:schemeClr val="bg1"/>
+              </a:solidFill>
+              <a:latin typeface="しねきゃぷしょん" panose="02000600000000000000" pitchFamily="2" charset="-128"/>
+              <a:ea typeface="しねきゃぷしょん" panose="02000600000000000000" pitchFamily="2" charset="-128"/>
+            </a:endParaRPr>
+          </a:p>
+        </p:txBody>
+      </p:sp>
+      <p:sp>
+        <p:nvSpPr>
+          <p:cNvPr id="10" name="テキスト ボックス 9"/>
+          <p:cNvSpPr txBox="1"/>
+          <p:nvPr/>
+        </p:nvSpPr>
+        <p:spPr>
+          <a:xfrm>
+            <a:off x="6297971" y="22527102"/>
+            <a:ext cx="4222922" cy="2677656"/>
+          </a:xfrm>
+          <a:prstGeom prst="rect">
+            <a:avLst/>
+          </a:prstGeom>
+          <a:noFill/>
+        </p:spPr>
+        <p:txBody>
+          <a:bodyPr wrap="square" rtlCol="0">
+            <a:spAutoFit/>
+          </a:bodyPr>
+          <a:lstStyle/>
+          <a:p>
+            <a:r>
+              <a:rPr lang="ja-JP" altLang="en-US" sz="2800" dirty="0" smtClean="0">
+                <a:solidFill>
+                  <a:schemeClr val="bg1"/>
+                </a:solidFill>
+                <a:latin typeface="しねきゃぷしょん" panose="02000600000000000000" pitchFamily="2" charset="-128"/>
+                <a:ea typeface="しねきゃぷしょん" panose="02000600000000000000" pitchFamily="2" charset="-128"/>
+              </a:rPr>
+              <a:t>今回使用した要因</a:t>
+            </a:r>
+            <a:endParaRPr lang="en-US" altLang="ja-JP" sz="2800" dirty="0" smtClean="0">
+              <a:solidFill>
+                <a:schemeClr val="bg1"/>
+              </a:solidFill>
+              <a:latin typeface="しねきゃぷしょん" panose="02000600000000000000" pitchFamily="2" charset="-128"/>
+              <a:ea typeface="しねきゃぷしょん" panose="02000600000000000000" pitchFamily="2" charset="-128"/>
+            </a:endParaRPr>
+          </a:p>
+          <a:p>
+            <a:pPr marL="457200" indent="-457200">
+              <a:buFont typeface="Arial" panose="020B0604020202020204" pitchFamily="34" charset="0"/>
+              <a:buChar char="•"/>
+            </a:pPr>
+            <a:r>
+              <a:rPr lang="ja-JP" altLang="en-US" sz="2800" dirty="0" smtClean="0">
+                <a:solidFill>
+                  <a:schemeClr val="bg1"/>
+                </a:solidFill>
+                <a:latin typeface="しねきゃぷしょん" panose="02000600000000000000" pitchFamily="2" charset="-128"/>
+                <a:ea typeface="しねきゃぷしょん" panose="02000600000000000000" pitchFamily="2" charset="-128"/>
+              </a:rPr>
+              <a:t>成功したか</a:t>
+            </a:r>
+            <a:endParaRPr lang="en-US" altLang="ja-JP" sz="2800" dirty="0" smtClean="0">
+              <a:solidFill>
+                <a:schemeClr val="bg1"/>
+              </a:solidFill>
+              <a:latin typeface="しねきゃぷしょん" panose="02000600000000000000" pitchFamily="2" charset="-128"/>
+              <a:ea typeface="しねきゃぷしょん" panose="02000600000000000000" pitchFamily="2" charset="-128"/>
+            </a:endParaRPr>
+          </a:p>
+          <a:p>
+            <a:pPr marL="457200" indent="-457200">
+              <a:buFont typeface="Arial" panose="020B0604020202020204" pitchFamily="34" charset="0"/>
+              <a:buChar char="•"/>
+            </a:pPr>
+            <a:r>
+              <a:rPr kumimoji="1" lang="ja-JP" altLang="en-US" sz="2800" dirty="0">
+                <a:solidFill>
+                  <a:schemeClr val="bg1"/>
+                </a:solidFill>
+                <a:latin typeface="しねきゃぷしょん" panose="02000600000000000000" pitchFamily="2" charset="-128"/>
+                <a:ea typeface="しねきゃぷしょん" panose="02000600000000000000" pitchFamily="2" charset="-128"/>
+              </a:rPr>
+              <a:t>動画の</a:t>
+            </a:r>
+            <a:r>
+              <a:rPr kumimoji="1" lang="ja-JP" altLang="en-US" sz="2800" dirty="0" smtClean="0">
+                <a:solidFill>
+                  <a:schemeClr val="bg1"/>
+                </a:solidFill>
+                <a:latin typeface="しねきゃぷしょん" panose="02000600000000000000" pitchFamily="2" charset="-128"/>
+                <a:ea typeface="しねきゃぷしょん" panose="02000600000000000000" pitchFamily="2" charset="-128"/>
+              </a:rPr>
+              <a:t>有無</a:t>
+            </a:r>
+            <a:endParaRPr kumimoji="1" lang="en-US" altLang="ja-JP" sz="2800" dirty="0" smtClean="0">
+              <a:solidFill>
+                <a:schemeClr val="bg1"/>
+              </a:solidFill>
+              <a:latin typeface="しねきゃぷしょん" panose="02000600000000000000" pitchFamily="2" charset="-128"/>
+              <a:ea typeface="しねきゃぷしょん" panose="02000600000000000000" pitchFamily="2" charset="-128"/>
+            </a:endParaRPr>
+          </a:p>
+          <a:p>
+            <a:pPr marL="457200" indent="-457200">
+              <a:buFont typeface="Arial" panose="020B0604020202020204" pitchFamily="34" charset="0"/>
+              <a:buChar char="•"/>
+            </a:pPr>
+            <a:r>
+              <a:rPr lang="ja-JP" altLang="en-US" sz="2800" dirty="0">
+                <a:solidFill>
+                  <a:schemeClr val="bg1"/>
+                </a:solidFill>
+                <a:latin typeface="しねきゃぷしょん" panose="02000600000000000000" pitchFamily="2" charset="-128"/>
+                <a:ea typeface="しねきゃぷしょん" panose="02000600000000000000" pitchFamily="2" charset="-128"/>
+              </a:rPr>
+              <a:t>支援最低</a:t>
+            </a:r>
+            <a:r>
+              <a:rPr lang="ja-JP" altLang="en-US" sz="2800" dirty="0" smtClean="0">
+                <a:solidFill>
+                  <a:schemeClr val="bg1"/>
+                </a:solidFill>
+                <a:latin typeface="しねきゃぷしょん" panose="02000600000000000000" pitchFamily="2" charset="-128"/>
+                <a:ea typeface="しねきゃぷしょん" panose="02000600000000000000" pitchFamily="2" charset="-128"/>
+              </a:rPr>
+              <a:t>金額</a:t>
+            </a:r>
+            <a:endParaRPr lang="en-US" altLang="ja-JP" sz="2800" dirty="0" smtClean="0">
+              <a:solidFill>
+                <a:schemeClr val="bg1"/>
+              </a:solidFill>
+              <a:latin typeface="しねきゃぷしょん" panose="02000600000000000000" pitchFamily="2" charset="-128"/>
+              <a:ea typeface="しねきゃぷしょん" panose="02000600000000000000" pitchFamily="2" charset="-128"/>
+            </a:endParaRPr>
+          </a:p>
+          <a:p>
+            <a:pPr marL="457200" indent="-457200">
+              <a:buFont typeface="Arial" panose="020B0604020202020204" pitchFamily="34" charset="0"/>
+              <a:buChar char="•"/>
+            </a:pPr>
+            <a:r>
+              <a:rPr kumimoji="1" lang="ja-JP" altLang="en-US" sz="2800" dirty="0">
+                <a:solidFill>
+                  <a:schemeClr val="bg1"/>
+                </a:solidFill>
+                <a:latin typeface="しねきゃぷしょん" panose="02000600000000000000" pitchFamily="2" charset="-128"/>
+                <a:ea typeface="しねきゃぷしょん" panose="02000600000000000000" pitchFamily="2" charset="-128"/>
+              </a:rPr>
+              <a:t>支援コース</a:t>
+            </a:r>
+            <a:r>
+              <a:rPr kumimoji="1" lang="ja-JP" altLang="en-US" sz="2800" dirty="0" smtClean="0">
+                <a:solidFill>
+                  <a:schemeClr val="bg1"/>
+                </a:solidFill>
+                <a:latin typeface="しねきゃぷしょん" panose="02000600000000000000" pitchFamily="2" charset="-128"/>
+                <a:ea typeface="しねきゃぷしょん" panose="02000600000000000000" pitchFamily="2" charset="-128"/>
+              </a:rPr>
+              <a:t>の数</a:t>
+            </a:r>
+            <a:endParaRPr kumimoji="1" lang="en-US" altLang="ja-JP" sz="2800" dirty="0" smtClean="0">
+              <a:solidFill>
+                <a:schemeClr val="bg1"/>
+              </a:solidFill>
+              <a:latin typeface="しねきゃぷしょん" panose="02000600000000000000" pitchFamily="2" charset="-128"/>
+              <a:ea typeface="しねきゃぷしょん" panose="02000600000000000000" pitchFamily="2" charset="-128"/>
+            </a:endParaRPr>
+          </a:p>
+          <a:p>
+            <a:pPr marL="457200" indent="-457200">
+              <a:buFont typeface="Arial" panose="020B0604020202020204" pitchFamily="34" charset="0"/>
+              <a:buChar char="•"/>
+            </a:pPr>
+            <a:r>
+              <a:rPr lang="ja-JP" altLang="en-US" sz="2800" dirty="0">
+                <a:solidFill>
+                  <a:schemeClr val="bg1"/>
+                </a:solidFill>
+                <a:latin typeface="しねきゃぷしょん" panose="02000600000000000000" pitchFamily="2" charset="-128"/>
+                <a:ea typeface="しねきゃぷしょん" panose="02000600000000000000" pitchFamily="2" charset="-128"/>
+              </a:rPr>
+              <a:t>代表者</a:t>
+            </a:r>
+            <a:r>
+              <a:rPr lang="ja-JP" altLang="en-US" sz="2800" dirty="0" smtClean="0">
+                <a:solidFill>
+                  <a:schemeClr val="bg1"/>
+                </a:solidFill>
+                <a:latin typeface="しねきゃぷしょん" panose="02000600000000000000" pitchFamily="2" charset="-128"/>
+                <a:ea typeface="しねきゃぷしょん" panose="02000600000000000000" pitchFamily="2" charset="-128"/>
+              </a:rPr>
+              <a:t>が女性か</a:t>
+            </a:r>
+            <a:endParaRPr kumimoji="1" lang="ja-JP" altLang="en-US" sz="2800" dirty="0">
+              <a:solidFill>
+                <a:schemeClr val="bg1"/>
+              </a:solidFill>
+              <a:latin typeface="しねきゃぷしょん" panose="02000600000000000000" pitchFamily="2" charset="-128"/>
+              <a:ea typeface="しねきゃぷしょん" panose="02000600000000000000" pitchFamily="2" charset="-128"/>
             </a:endParaRPr>
           </a:p>
         </p:txBody>
